--- a/Leaflet/One-Page_Version/review/a_openchain_leaflet_20180615.pptx
+++ b/Leaflet/One-Page_Version/review/a_openchain_leaflet_20180615.pptx
@@ -106,7 +106,7 @@
   </p:defaultTextStyle>
   <p:extLst>
     <p:ext uri="{EFAFB233-063F-42B5-8137-9DF3F51BA10A}">
-      <p15:sldGuideLst xmlns:p15="http://schemas.microsoft.com/office/powerpoint/2012/main"/>
+      <p15:sldGuideLst xmlns:p15="http://schemas.microsoft.com/office/powerpoint/2012/main" xmlns=""/>
     </p:ext>
   </p:extLst>
 </p:presentation>
@@ -323,7 +323,7 @@
           <p:cNvPr id="2" name="タイトル 1">
             <a:extLst>
               <a:ext uri="{FF2B5EF4-FFF2-40B4-BE49-F238E27FC236}">
-                <a16:creationId xmlns:a16="http://schemas.microsoft.com/office/drawing/2014/main" id="{D660D6C0-FBCE-42E6-B426-6FA125171F00}"/>
+                <a16:creationId xmlns:a16="http://schemas.microsoft.com/office/drawing/2014/main" xmlns="" id="{D660D6C0-FBCE-42E6-B426-6FA125171F00}"/>
               </a:ext>
             </a:extLst>
           </p:cNvPr>
@@ -360,7 +360,7 @@
           <p:cNvPr id="3" name="字幕 2">
             <a:extLst>
               <a:ext uri="{FF2B5EF4-FFF2-40B4-BE49-F238E27FC236}">
-                <a16:creationId xmlns:a16="http://schemas.microsoft.com/office/drawing/2014/main" id="{E7288A8A-AE2D-447C-8EF7-345CD43D17B2}"/>
+                <a16:creationId xmlns:a16="http://schemas.microsoft.com/office/drawing/2014/main" xmlns="" id="{E7288A8A-AE2D-447C-8EF7-345CD43D17B2}"/>
               </a:ext>
             </a:extLst>
           </p:cNvPr>
@@ -430,7 +430,7 @@
           <p:cNvPr id="4" name="日付プレースホルダー 3">
             <a:extLst>
               <a:ext uri="{FF2B5EF4-FFF2-40B4-BE49-F238E27FC236}">
-                <a16:creationId xmlns:a16="http://schemas.microsoft.com/office/drawing/2014/main" id="{E7647311-1169-4F97-811F-A821395946D9}"/>
+                <a16:creationId xmlns:a16="http://schemas.microsoft.com/office/drawing/2014/main" xmlns="" id="{E7647311-1169-4F97-811F-A821395946D9}"/>
               </a:ext>
             </a:extLst>
           </p:cNvPr>
@@ -448,7 +448,7 @@
           <a:p>
             <a:fld id="{83F10594-1B62-4B90-920A-44E63AFA5E18}" type="datetimeFigureOut">
               <a:rPr kumimoji="1" lang="ja-JP" altLang="en-US" smtClean="0"/>
-              <a:t>2018/6/19</a:t>
+              <a:t>18/07/26</a:t>
             </a:fld>
             <a:endParaRPr kumimoji="1" lang="ja-JP" altLang="en-US"/>
           </a:p>
@@ -459,7 +459,7 @@
           <p:cNvPr id="5" name="フッター プレースホルダー 4">
             <a:extLst>
               <a:ext uri="{FF2B5EF4-FFF2-40B4-BE49-F238E27FC236}">
-                <a16:creationId xmlns:a16="http://schemas.microsoft.com/office/drawing/2014/main" id="{3F691835-DD7E-4C05-AB68-70FE54410AF1}"/>
+                <a16:creationId xmlns:a16="http://schemas.microsoft.com/office/drawing/2014/main" xmlns="" id="{3F691835-DD7E-4C05-AB68-70FE54410AF1}"/>
               </a:ext>
             </a:extLst>
           </p:cNvPr>
@@ -484,7 +484,7 @@
           <p:cNvPr id="6" name="スライド番号プレースホルダー 5">
             <a:extLst>
               <a:ext uri="{FF2B5EF4-FFF2-40B4-BE49-F238E27FC236}">
-                <a16:creationId xmlns:a16="http://schemas.microsoft.com/office/drawing/2014/main" id="{5499D2F6-E21F-4022-8EE5-8BAF283582F2}"/>
+                <a16:creationId xmlns:a16="http://schemas.microsoft.com/office/drawing/2014/main" xmlns="" id="{5499D2F6-E21F-4022-8EE5-8BAF283582F2}"/>
               </a:ext>
             </a:extLst>
           </p:cNvPr>
@@ -543,7 +543,7 @@
           <p:cNvPr id="2" name="タイトル 1">
             <a:extLst>
               <a:ext uri="{FF2B5EF4-FFF2-40B4-BE49-F238E27FC236}">
-                <a16:creationId xmlns:a16="http://schemas.microsoft.com/office/drawing/2014/main" id="{9F9965AA-2ED5-42DC-A41D-CD63CBA05BE9}"/>
+                <a16:creationId xmlns:a16="http://schemas.microsoft.com/office/drawing/2014/main" xmlns="" id="{9F9965AA-2ED5-42DC-A41D-CD63CBA05BE9}"/>
               </a:ext>
             </a:extLst>
           </p:cNvPr>
@@ -571,7 +571,7 @@
           <p:cNvPr id="3" name="縦書きテキスト プレースホルダー 2">
             <a:extLst>
               <a:ext uri="{FF2B5EF4-FFF2-40B4-BE49-F238E27FC236}">
-                <a16:creationId xmlns:a16="http://schemas.microsoft.com/office/drawing/2014/main" id="{9B6998EB-4337-4462-ABEC-CA77A6E630AC}"/>
+                <a16:creationId xmlns:a16="http://schemas.microsoft.com/office/drawing/2014/main" xmlns="" id="{9B6998EB-4337-4462-ABEC-CA77A6E630AC}"/>
               </a:ext>
             </a:extLst>
           </p:cNvPr>
@@ -660,7 +660,7 @@
           <p:cNvPr id="4" name="日付プレースホルダー 3">
             <a:extLst>
               <a:ext uri="{FF2B5EF4-FFF2-40B4-BE49-F238E27FC236}">
-                <a16:creationId xmlns:a16="http://schemas.microsoft.com/office/drawing/2014/main" id="{C678638F-ECF8-4AE4-A047-4C09100AC7B2}"/>
+                <a16:creationId xmlns:a16="http://schemas.microsoft.com/office/drawing/2014/main" xmlns="" id="{C678638F-ECF8-4AE4-A047-4C09100AC7B2}"/>
               </a:ext>
             </a:extLst>
           </p:cNvPr>
@@ -678,7 +678,7 @@
           <a:p>
             <a:fld id="{83F10594-1B62-4B90-920A-44E63AFA5E18}" type="datetimeFigureOut">
               <a:rPr kumimoji="1" lang="ja-JP" altLang="en-US" smtClean="0"/>
-              <a:t>2018/6/19</a:t>
+              <a:t>18/07/26</a:t>
             </a:fld>
             <a:endParaRPr kumimoji="1" lang="ja-JP" altLang="en-US"/>
           </a:p>
@@ -689,7 +689,7 @@
           <p:cNvPr id="5" name="フッター プレースホルダー 4">
             <a:extLst>
               <a:ext uri="{FF2B5EF4-FFF2-40B4-BE49-F238E27FC236}">
-                <a16:creationId xmlns:a16="http://schemas.microsoft.com/office/drawing/2014/main" id="{C6D300A3-2B52-4256-9487-9FDB6EE0CCF5}"/>
+                <a16:creationId xmlns:a16="http://schemas.microsoft.com/office/drawing/2014/main" xmlns="" id="{C6D300A3-2B52-4256-9487-9FDB6EE0CCF5}"/>
               </a:ext>
             </a:extLst>
           </p:cNvPr>
@@ -714,7 +714,7 @@
           <p:cNvPr id="6" name="スライド番号プレースホルダー 5">
             <a:extLst>
               <a:ext uri="{FF2B5EF4-FFF2-40B4-BE49-F238E27FC236}">
-                <a16:creationId xmlns:a16="http://schemas.microsoft.com/office/drawing/2014/main" id="{99B3F3E7-428E-4F44-AF42-F34EE5568E54}"/>
+                <a16:creationId xmlns:a16="http://schemas.microsoft.com/office/drawing/2014/main" xmlns="" id="{99B3F3E7-428E-4F44-AF42-F34EE5568E54}"/>
               </a:ext>
             </a:extLst>
           </p:cNvPr>
@@ -773,7 +773,7 @@
           <p:cNvPr id="2" name="縦書きタイトル 1">
             <a:extLst>
               <a:ext uri="{FF2B5EF4-FFF2-40B4-BE49-F238E27FC236}">
-                <a16:creationId xmlns:a16="http://schemas.microsoft.com/office/drawing/2014/main" id="{527F9870-C4BE-4832-9F6C-542872B1BB6F}"/>
+                <a16:creationId xmlns:a16="http://schemas.microsoft.com/office/drawing/2014/main" xmlns="" id="{527F9870-C4BE-4832-9F6C-542872B1BB6F}"/>
               </a:ext>
             </a:extLst>
           </p:cNvPr>
@@ -806,7 +806,7 @@
           <p:cNvPr id="3" name="縦書きテキスト プレースホルダー 2">
             <a:extLst>
               <a:ext uri="{FF2B5EF4-FFF2-40B4-BE49-F238E27FC236}">
-                <a16:creationId xmlns:a16="http://schemas.microsoft.com/office/drawing/2014/main" id="{04B1F036-2C2B-4A2B-855D-1C0574A799AD}"/>
+                <a16:creationId xmlns:a16="http://schemas.microsoft.com/office/drawing/2014/main" xmlns="" id="{04B1F036-2C2B-4A2B-855D-1C0574A799AD}"/>
               </a:ext>
             </a:extLst>
           </p:cNvPr>
@@ -900,7 +900,7 @@
           <p:cNvPr id="4" name="日付プレースホルダー 3">
             <a:extLst>
               <a:ext uri="{FF2B5EF4-FFF2-40B4-BE49-F238E27FC236}">
-                <a16:creationId xmlns:a16="http://schemas.microsoft.com/office/drawing/2014/main" id="{F0E4B36C-189E-4564-8CEC-F8D16EA3C3F2}"/>
+                <a16:creationId xmlns:a16="http://schemas.microsoft.com/office/drawing/2014/main" xmlns="" id="{F0E4B36C-189E-4564-8CEC-F8D16EA3C3F2}"/>
               </a:ext>
             </a:extLst>
           </p:cNvPr>
@@ -918,7 +918,7 @@
           <a:p>
             <a:fld id="{83F10594-1B62-4B90-920A-44E63AFA5E18}" type="datetimeFigureOut">
               <a:rPr kumimoji="1" lang="ja-JP" altLang="en-US" smtClean="0"/>
-              <a:t>2018/6/19</a:t>
+              <a:t>18/07/26</a:t>
             </a:fld>
             <a:endParaRPr kumimoji="1" lang="ja-JP" altLang="en-US"/>
           </a:p>
@@ -929,7 +929,7 @@
           <p:cNvPr id="5" name="フッター プレースホルダー 4">
             <a:extLst>
               <a:ext uri="{FF2B5EF4-FFF2-40B4-BE49-F238E27FC236}">
-                <a16:creationId xmlns:a16="http://schemas.microsoft.com/office/drawing/2014/main" id="{7EBF40E7-653C-4597-83FA-F173957381ED}"/>
+                <a16:creationId xmlns:a16="http://schemas.microsoft.com/office/drawing/2014/main" xmlns="" id="{7EBF40E7-653C-4597-83FA-F173957381ED}"/>
               </a:ext>
             </a:extLst>
           </p:cNvPr>
@@ -954,7 +954,7 @@
           <p:cNvPr id="6" name="スライド番号プレースホルダー 5">
             <a:extLst>
               <a:ext uri="{FF2B5EF4-FFF2-40B4-BE49-F238E27FC236}">
-                <a16:creationId xmlns:a16="http://schemas.microsoft.com/office/drawing/2014/main" id="{AF2EC7C2-D360-4562-9144-602720617DFC}"/>
+                <a16:creationId xmlns:a16="http://schemas.microsoft.com/office/drawing/2014/main" xmlns="" id="{AF2EC7C2-D360-4562-9144-602720617DFC}"/>
               </a:ext>
             </a:extLst>
           </p:cNvPr>
@@ -1013,7 +1013,7 @@
           <p:cNvPr id="2" name="タイトル 1">
             <a:extLst>
               <a:ext uri="{FF2B5EF4-FFF2-40B4-BE49-F238E27FC236}">
-                <a16:creationId xmlns:a16="http://schemas.microsoft.com/office/drawing/2014/main" id="{842C9866-29B7-4D7F-8E00-5174D2E55DF2}"/>
+                <a16:creationId xmlns:a16="http://schemas.microsoft.com/office/drawing/2014/main" xmlns="" id="{842C9866-29B7-4D7F-8E00-5174D2E55DF2}"/>
               </a:ext>
             </a:extLst>
           </p:cNvPr>
@@ -1041,7 +1041,7 @@
           <p:cNvPr id="3" name="コンテンツ プレースホルダー 2">
             <a:extLst>
               <a:ext uri="{FF2B5EF4-FFF2-40B4-BE49-F238E27FC236}">
-                <a16:creationId xmlns:a16="http://schemas.microsoft.com/office/drawing/2014/main" id="{15F54CCF-B672-4EA2-B3C0-BB2D2A6BD6E8}"/>
+                <a16:creationId xmlns:a16="http://schemas.microsoft.com/office/drawing/2014/main" xmlns="" id="{15F54CCF-B672-4EA2-B3C0-BB2D2A6BD6E8}"/>
               </a:ext>
             </a:extLst>
           </p:cNvPr>
@@ -1130,7 +1130,7 @@
           <p:cNvPr id="4" name="日付プレースホルダー 3">
             <a:extLst>
               <a:ext uri="{FF2B5EF4-FFF2-40B4-BE49-F238E27FC236}">
-                <a16:creationId xmlns:a16="http://schemas.microsoft.com/office/drawing/2014/main" id="{018DF206-C490-4498-A1F8-526B7C61A20B}"/>
+                <a16:creationId xmlns:a16="http://schemas.microsoft.com/office/drawing/2014/main" xmlns="" id="{018DF206-C490-4498-A1F8-526B7C61A20B}"/>
               </a:ext>
             </a:extLst>
           </p:cNvPr>
@@ -1148,7 +1148,7 @@
           <a:p>
             <a:fld id="{83F10594-1B62-4B90-920A-44E63AFA5E18}" type="datetimeFigureOut">
               <a:rPr kumimoji="1" lang="ja-JP" altLang="en-US" smtClean="0"/>
-              <a:t>2018/6/19</a:t>
+              <a:t>18/07/26</a:t>
             </a:fld>
             <a:endParaRPr kumimoji="1" lang="ja-JP" altLang="en-US"/>
           </a:p>
@@ -1159,7 +1159,7 @@
           <p:cNvPr id="5" name="フッター プレースホルダー 4">
             <a:extLst>
               <a:ext uri="{FF2B5EF4-FFF2-40B4-BE49-F238E27FC236}">
-                <a16:creationId xmlns:a16="http://schemas.microsoft.com/office/drawing/2014/main" id="{EAAE8BC5-90BD-4F57-A201-047404050A8D}"/>
+                <a16:creationId xmlns:a16="http://schemas.microsoft.com/office/drawing/2014/main" xmlns="" id="{EAAE8BC5-90BD-4F57-A201-047404050A8D}"/>
               </a:ext>
             </a:extLst>
           </p:cNvPr>
@@ -1184,7 +1184,7 @@
           <p:cNvPr id="6" name="スライド番号プレースホルダー 5">
             <a:extLst>
               <a:ext uri="{FF2B5EF4-FFF2-40B4-BE49-F238E27FC236}">
-                <a16:creationId xmlns:a16="http://schemas.microsoft.com/office/drawing/2014/main" id="{6A073DB3-10CA-42C1-8CF4-C5B024EEB56E}"/>
+                <a16:creationId xmlns:a16="http://schemas.microsoft.com/office/drawing/2014/main" xmlns="" id="{6A073DB3-10CA-42C1-8CF4-C5B024EEB56E}"/>
               </a:ext>
             </a:extLst>
           </p:cNvPr>
@@ -1243,7 +1243,7 @@
           <p:cNvPr id="2" name="タイトル 1">
             <a:extLst>
               <a:ext uri="{FF2B5EF4-FFF2-40B4-BE49-F238E27FC236}">
-                <a16:creationId xmlns:a16="http://schemas.microsoft.com/office/drawing/2014/main" id="{E021E334-BC00-4E3E-ACD6-288A6F46C96E}"/>
+                <a16:creationId xmlns:a16="http://schemas.microsoft.com/office/drawing/2014/main" xmlns="" id="{E021E334-BC00-4E3E-ACD6-288A6F46C96E}"/>
               </a:ext>
             </a:extLst>
           </p:cNvPr>
@@ -1280,7 +1280,7 @@
           <p:cNvPr id="3" name="テキスト プレースホルダー 2">
             <a:extLst>
               <a:ext uri="{FF2B5EF4-FFF2-40B4-BE49-F238E27FC236}">
-                <a16:creationId xmlns:a16="http://schemas.microsoft.com/office/drawing/2014/main" id="{C1B165A6-C4DB-43AB-8EC0-F7AD2092914B}"/>
+                <a16:creationId xmlns:a16="http://schemas.microsoft.com/office/drawing/2014/main" xmlns="" id="{C1B165A6-C4DB-43AB-8EC0-F7AD2092914B}"/>
               </a:ext>
             </a:extLst>
           </p:cNvPr>
@@ -1405,7 +1405,7 @@
           <p:cNvPr id="4" name="日付プレースホルダー 3">
             <a:extLst>
               <a:ext uri="{FF2B5EF4-FFF2-40B4-BE49-F238E27FC236}">
-                <a16:creationId xmlns:a16="http://schemas.microsoft.com/office/drawing/2014/main" id="{5FBF22B7-B737-4B76-9725-B7285384AF39}"/>
+                <a16:creationId xmlns:a16="http://schemas.microsoft.com/office/drawing/2014/main" xmlns="" id="{5FBF22B7-B737-4B76-9725-B7285384AF39}"/>
               </a:ext>
             </a:extLst>
           </p:cNvPr>
@@ -1423,7 +1423,7 @@
           <a:p>
             <a:fld id="{83F10594-1B62-4B90-920A-44E63AFA5E18}" type="datetimeFigureOut">
               <a:rPr kumimoji="1" lang="ja-JP" altLang="en-US" smtClean="0"/>
-              <a:t>2018/6/19</a:t>
+              <a:t>18/07/26</a:t>
             </a:fld>
             <a:endParaRPr kumimoji="1" lang="ja-JP" altLang="en-US"/>
           </a:p>
@@ -1434,7 +1434,7 @@
           <p:cNvPr id="5" name="フッター プレースホルダー 4">
             <a:extLst>
               <a:ext uri="{FF2B5EF4-FFF2-40B4-BE49-F238E27FC236}">
-                <a16:creationId xmlns:a16="http://schemas.microsoft.com/office/drawing/2014/main" id="{26BEF98D-27F5-44B2-B041-7269780414A0}"/>
+                <a16:creationId xmlns:a16="http://schemas.microsoft.com/office/drawing/2014/main" xmlns="" id="{26BEF98D-27F5-44B2-B041-7269780414A0}"/>
               </a:ext>
             </a:extLst>
           </p:cNvPr>
@@ -1459,7 +1459,7 @@
           <p:cNvPr id="6" name="スライド番号プレースホルダー 5">
             <a:extLst>
               <a:ext uri="{FF2B5EF4-FFF2-40B4-BE49-F238E27FC236}">
-                <a16:creationId xmlns:a16="http://schemas.microsoft.com/office/drawing/2014/main" id="{83508419-CCE7-4D4F-B850-9384536ABF3F}"/>
+                <a16:creationId xmlns:a16="http://schemas.microsoft.com/office/drawing/2014/main" xmlns="" id="{83508419-CCE7-4D4F-B850-9384536ABF3F}"/>
               </a:ext>
             </a:extLst>
           </p:cNvPr>
@@ -1518,7 +1518,7 @@
           <p:cNvPr id="2" name="タイトル 1">
             <a:extLst>
               <a:ext uri="{FF2B5EF4-FFF2-40B4-BE49-F238E27FC236}">
-                <a16:creationId xmlns:a16="http://schemas.microsoft.com/office/drawing/2014/main" id="{FF7E7116-8EDA-4B7E-BECB-51A5F2BB361C}"/>
+                <a16:creationId xmlns:a16="http://schemas.microsoft.com/office/drawing/2014/main" xmlns="" id="{FF7E7116-8EDA-4B7E-BECB-51A5F2BB361C}"/>
               </a:ext>
             </a:extLst>
           </p:cNvPr>
@@ -1546,7 +1546,7 @@
           <p:cNvPr id="3" name="コンテンツ プレースホルダー 2">
             <a:extLst>
               <a:ext uri="{FF2B5EF4-FFF2-40B4-BE49-F238E27FC236}">
-                <a16:creationId xmlns:a16="http://schemas.microsoft.com/office/drawing/2014/main" id="{F43444E1-9FB8-4772-8ED2-C196F102D9F1}"/>
+                <a16:creationId xmlns:a16="http://schemas.microsoft.com/office/drawing/2014/main" xmlns="" id="{F43444E1-9FB8-4772-8ED2-C196F102D9F1}"/>
               </a:ext>
             </a:extLst>
           </p:cNvPr>
@@ -1640,7 +1640,7 @@
           <p:cNvPr id="4" name="コンテンツ プレースホルダー 3">
             <a:extLst>
               <a:ext uri="{FF2B5EF4-FFF2-40B4-BE49-F238E27FC236}">
-                <a16:creationId xmlns:a16="http://schemas.microsoft.com/office/drawing/2014/main" id="{1D120305-3A51-492A-927C-C001C998DE25}"/>
+                <a16:creationId xmlns:a16="http://schemas.microsoft.com/office/drawing/2014/main" xmlns="" id="{1D120305-3A51-492A-927C-C001C998DE25}"/>
               </a:ext>
             </a:extLst>
           </p:cNvPr>
@@ -1734,7 +1734,7 @@
           <p:cNvPr id="5" name="日付プレースホルダー 4">
             <a:extLst>
               <a:ext uri="{FF2B5EF4-FFF2-40B4-BE49-F238E27FC236}">
-                <a16:creationId xmlns:a16="http://schemas.microsoft.com/office/drawing/2014/main" id="{CB1EBFAB-F991-415D-9D5C-67F4E61E4EBC}"/>
+                <a16:creationId xmlns:a16="http://schemas.microsoft.com/office/drawing/2014/main" xmlns="" id="{CB1EBFAB-F991-415D-9D5C-67F4E61E4EBC}"/>
               </a:ext>
             </a:extLst>
           </p:cNvPr>
@@ -1752,7 +1752,7 @@
           <a:p>
             <a:fld id="{83F10594-1B62-4B90-920A-44E63AFA5E18}" type="datetimeFigureOut">
               <a:rPr kumimoji="1" lang="ja-JP" altLang="en-US" smtClean="0"/>
-              <a:t>2018/6/19</a:t>
+              <a:t>18/07/26</a:t>
             </a:fld>
             <a:endParaRPr kumimoji="1" lang="ja-JP" altLang="en-US"/>
           </a:p>
@@ -1763,7 +1763,7 @@
           <p:cNvPr id="6" name="フッター プレースホルダー 5">
             <a:extLst>
               <a:ext uri="{FF2B5EF4-FFF2-40B4-BE49-F238E27FC236}">
-                <a16:creationId xmlns:a16="http://schemas.microsoft.com/office/drawing/2014/main" id="{262C7230-6FA1-4C3D-AF47-BB382F072BBE}"/>
+                <a16:creationId xmlns:a16="http://schemas.microsoft.com/office/drawing/2014/main" xmlns="" id="{262C7230-6FA1-4C3D-AF47-BB382F072BBE}"/>
               </a:ext>
             </a:extLst>
           </p:cNvPr>
@@ -1788,7 +1788,7 @@
           <p:cNvPr id="7" name="スライド番号プレースホルダー 6">
             <a:extLst>
               <a:ext uri="{FF2B5EF4-FFF2-40B4-BE49-F238E27FC236}">
-                <a16:creationId xmlns:a16="http://schemas.microsoft.com/office/drawing/2014/main" id="{6B5B9B6D-9EB8-4B9C-8880-F10E23907D54}"/>
+                <a16:creationId xmlns:a16="http://schemas.microsoft.com/office/drawing/2014/main" xmlns="" id="{6B5B9B6D-9EB8-4B9C-8880-F10E23907D54}"/>
               </a:ext>
             </a:extLst>
           </p:cNvPr>
@@ -1847,7 +1847,7 @@
           <p:cNvPr id="2" name="タイトル 1">
             <a:extLst>
               <a:ext uri="{FF2B5EF4-FFF2-40B4-BE49-F238E27FC236}">
-                <a16:creationId xmlns:a16="http://schemas.microsoft.com/office/drawing/2014/main" id="{83C60BF6-FF70-4C21-8439-C0513B353EAB}"/>
+                <a16:creationId xmlns:a16="http://schemas.microsoft.com/office/drawing/2014/main" xmlns="" id="{83C60BF6-FF70-4C21-8439-C0513B353EAB}"/>
               </a:ext>
             </a:extLst>
           </p:cNvPr>
@@ -1880,7 +1880,7 @@
           <p:cNvPr id="3" name="テキスト プレースホルダー 2">
             <a:extLst>
               <a:ext uri="{FF2B5EF4-FFF2-40B4-BE49-F238E27FC236}">
-                <a16:creationId xmlns:a16="http://schemas.microsoft.com/office/drawing/2014/main" id="{2EE09130-E04B-45C6-8B4F-BE4A46933DF9}"/>
+                <a16:creationId xmlns:a16="http://schemas.microsoft.com/office/drawing/2014/main" xmlns="" id="{2EE09130-E04B-45C6-8B4F-BE4A46933DF9}"/>
               </a:ext>
             </a:extLst>
           </p:cNvPr>
@@ -1951,7 +1951,7 @@
           <p:cNvPr id="4" name="コンテンツ プレースホルダー 3">
             <a:extLst>
               <a:ext uri="{FF2B5EF4-FFF2-40B4-BE49-F238E27FC236}">
-                <a16:creationId xmlns:a16="http://schemas.microsoft.com/office/drawing/2014/main" id="{4B35D4B4-AC1A-447B-9E92-7EB864E77657}"/>
+                <a16:creationId xmlns:a16="http://schemas.microsoft.com/office/drawing/2014/main" xmlns="" id="{4B35D4B4-AC1A-447B-9E92-7EB864E77657}"/>
               </a:ext>
             </a:extLst>
           </p:cNvPr>
@@ -2045,7 +2045,7 @@
           <p:cNvPr id="5" name="テキスト プレースホルダー 4">
             <a:extLst>
               <a:ext uri="{FF2B5EF4-FFF2-40B4-BE49-F238E27FC236}">
-                <a16:creationId xmlns:a16="http://schemas.microsoft.com/office/drawing/2014/main" id="{C59772BC-4022-40B4-8CDF-8F1F51693EED}"/>
+                <a16:creationId xmlns:a16="http://schemas.microsoft.com/office/drawing/2014/main" xmlns="" id="{C59772BC-4022-40B4-8CDF-8F1F51693EED}"/>
               </a:ext>
             </a:extLst>
           </p:cNvPr>
@@ -2116,7 +2116,7 @@
           <p:cNvPr id="6" name="コンテンツ プレースホルダー 5">
             <a:extLst>
               <a:ext uri="{FF2B5EF4-FFF2-40B4-BE49-F238E27FC236}">
-                <a16:creationId xmlns:a16="http://schemas.microsoft.com/office/drawing/2014/main" id="{15C7D202-5DFA-4CC2-B7BF-CBC47541B4A3}"/>
+                <a16:creationId xmlns:a16="http://schemas.microsoft.com/office/drawing/2014/main" xmlns="" id="{15C7D202-5DFA-4CC2-B7BF-CBC47541B4A3}"/>
               </a:ext>
             </a:extLst>
           </p:cNvPr>
@@ -2210,7 +2210,7 @@
           <p:cNvPr id="7" name="日付プレースホルダー 6">
             <a:extLst>
               <a:ext uri="{FF2B5EF4-FFF2-40B4-BE49-F238E27FC236}">
-                <a16:creationId xmlns:a16="http://schemas.microsoft.com/office/drawing/2014/main" id="{03912EEE-14FB-477A-BB57-C89435991D11}"/>
+                <a16:creationId xmlns:a16="http://schemas.microsoft.com/office/drawing/2014/main" xmlns="" id="{03912EEE-14FB-477A-BB57-C89435991D11}"/>
               </a:ext>
             </a:extLst>
           </p:cNvPr>
@@ -2228,7 +2228,7 @@
           <a:p>
             <a:fld id="{83F10594-1B62-4B90-920A-44E63AFA5E18}" type="datetimeFigureOut">
               <a:rPr kumimoji="1" lang="ja-JP" altLang="en-US" smtClean="0"/>
-              <a:t>2018/6/19</a:t>
+              <a:t>18/07/26</a:t>
             </a:fld>
             <a:endParaRPr kumimoji="1" lang="ja-JP" altLang="en-US"/>
           </a:p>
@@ -2239,7 +2239,7 @@
           <p:cNvPr id="8" name="フッター プレースホルダー 7">
             <a:extLst>
               <a:ext uri="{FF2B5EF4-FFF2-40B4-BE49-F238E27FC236}">
-                <a16:creationId xmlns:a16="http://schemas.microsoft.com/office/drawing/2014/main" id="{8926CE11-E2CE-4473-842F-18176B54B9C0}"/>
+                <a16:creationId xmlns:a16="http://schemas.microsoft.com/office/drawing/2014/main" xmlns="" id="{8926CE11-E2CE-4473-842F-18176B54B9C0}"/>
               </a:ext>
             </a:extLst>
           </p:cNvPr>
@@ -2264,7 +2264,7 @@
           <p:cNvPr id="9" name="スライド番号プレースホルダー 8">
             <a:extLst>
               <a:ext uri="{FF2B5EF4-FFF2-40B4-BE49-F238E27FC236}">
-                <a16:creationId xmlns:a16="http://schemas.microsoft.com/office/drawing/2014/main" id="{0365A9F8-690E-4C75-A24E-6F5D8D3D9289}"/>
+                <a16:creationId xmlns:a16="http://schemas.microsoft.com/office/drawing/2014/main" xmlns="" id="{0365A9F8-690E-4C75-A24E-6F5D8D3D9289}"/>
               </a:ext>
             </a:extLst>
           </p:cNvPr>
@@ -2323,7 +2323,7 @@
           <p:cNvPr id="2" name="タイトル 1">
             <a:extLst>
               <a:ext uri="{FF2B5EF4-FFF2-40B4-BE49-F238E27FC236}">
-                <a16:creationId xmlns:a16="http://schemas.microsoft.com/office/drawing/2014/main" id="{55783442-0AB2-432A-9471-268A95CDACB9}"/>
+                <a16:creationId xmlns:a16="http://schemas.microsoft.com/office/drawing/2014/main" xmlns="" id="{55783442-0AB2-432A-9471-268A95CDACB9}"/>
               </a:ext>
             </a:extLst>
           </p:cNvPr>
@@ -2351,7 +2351,7 @@
           <p:cNvPr id="3" name="日付プレースホルダー 2">
             <a:extLst>
               <a:ext uri="{FF2B5EF4-FFF2-40B4-BE49-F238E27FC236}">
-                <a16:creationId xmlns:a16="http://schemas.microsoft.com/office/drawing/2014/main" id="{E3692241-4CF9-4C0B-BB87-22D56E35E941}"/>
+                <a16:creationId xmlns:a16="http://schemas.microsoft.com/office/drawing/2014/main" xmlns="" id="{E3692241-4CF9-4C0B-BB87-22D56E35E941}"/>
               </a:ext>
             </a:extLst>
           </p:cNvPr>
@@ -2369,7 +2369,7 @@
           <a:p>
             <a:fld id="{83F10594-1B62-4B90-920A-44E63AFA5E18}" type="datetimeFigureOut">
               <a:rPr kumimoji="1" lang="ja-JP" altLang="en-US" smtClean="0"/>
-              <a:t>2018/6/19</a:t>
+              <a:t>18/07/26</a:t>
             </a:fld>
             <a:endParaRPr kumimoji="1" lang="ja-JP" altLang="en-US"/>
           </a:p>
@@ -2380,7 +2380,7 @@
           <p:cNvPr id="4" name="フッター プレースホルダー 3">
             <a:extLst>
               <a:ext uri="{FF2B5EF4-FFF2-40B4-BE49-F238E27FC236}">
-                <a16:creationId xmlns:a16="http://schemas.microsoft.com/office/drawing/2014/main" id="{58F36A5D-F3E8-4480-93A0-D979A30E029A}"/>
+                <a16:creationId xmlns:a16="http://schemas.microsoft.com/office/drawing/2014/main" xmlns="" id="{58F36A5D-F3E8-4480-93A0-D979A30E029A}"/>
               </a:ext>
             </a:extLst>
           </p:cNvPr>
@@ -2405,7 +2405,7 @@
           <p:cNvPr id="5" name="スライド番号プレースホルダー 4">
             <a:extLst>
               <a:ext uri="{FF2B5EF4-FFF2-40B4-BE49-F238E27FC236}">
-                <a16:creationId xmlns:a16="http://schemas.microsoft.com/office/drawing/2014/main" id="{1519316A-59BD-4BD8-8AB2-B4984C7A40A4}"/>
+                <a16:creationId xmlns:a16="http://schemas.microsoft.com/office/drawing/2014/main" xmlns="" id="{1519316A-59BD-4BD8-8AB2-B4984C7A40A4}"/>
               </a:ext>
             </a:extLst>
           </p:cNvPr>
@@ -2464,7 +2464,7 @@
           <p:cNvPr id="2" name="日付プレースホルダー 1">
             <a:extLst>
               <a:ext uri="{FF2B5EF4-FFF2-40B4-BE49-F238E27FC236}">
-                <a16:creationId xmlns:a16="http://schemas.microsoft.com/office/drawing/2014/main" id="{DCE940E3-3C94-4EA2-A263-2906F67321F1}"/>
+                <a16:creationId xmlns:a16="http://schemas.microsoft.com/office/drawing/2014/main" xmlns="" id="{DCE940E3-3C94-4EA2-A263-2906F67321F1}"/>
               </a:ext>
             </a:extLst>
           </p:cNvPr>
@@ -2482,7 +2482,7 @@
           <a:p>
             <a:fld id="{83F10594-1B62-4B90-920A-44E63AFA5E18}" type="datetimeFigureOut">
               <a:rPr kumimoji="1" lang="ja-JP" altLang="en-US" smtClean="0"/>
-              <a:t>2018/6/19</a:t>
+              <a:t>18/07/26</a:t>
             </a:fld>
             <a:endParaRPr kumimoji="1" lang="ja-JP" altLang="en-US"/>
           </a:p>
@@ -2493,7 +2493,7 @@
           <p:cNvPr id="3" name="フッター プレースホルダー 2">
             <a:extLst>
               <a:ext uri="{FF2B5EF4-FFF2-40B4-BE49-F238E27FC236}">
-                <a16:creationId xmlns:a16="http://schemas.microsoft.com/office/drawing/2014/main" id="{0CBD0DB6-EB3D-4664-950E-61B496AC8123}"/>
+                <a16:creationId xmlns:a16="http://schemas.microsoft.com/office/drawing/2014/main" xmlns="" id="{0CBD0DB6-EB3D-4664-950E-61B496AC8123}"/>
               </a:ext>
             </a:extLst>
           </p:cNvPr>
@@ -2518,7 +2518,7 @@
           <p:cNvPr id="4" name="スライド番号プレースホルダー 3">
             <a:extLst>
               <a:ext uri="{FF2B5EF4-FFF2-40B4-BE49-F238E27FC236}">
-                <a16:creationId xmlns:a16="http://schemas.microsoft.com/office/drawing/2014/main" id="{0E918613-DD62-457C-B302-30977DE6CE19}"/>
+                <a16:creationId xmlns:a16="http://schemas.microsoft.com/office/drawing/2014/main" xmlns="" id="{0E918613-DD62-457C-B302-30977DE6CE19}"/>
               </a:ext>
             </a:extLst>
           </p:cNvPr>
@@ -2577,7 +2577,7 @@
           <p:cNvPr id="2" name="タイトル 1">
             <a:extLst>
               <a:ext uri="{FF2B5EF4-FFF2-40B4-BE49-F238E27FC236}">
-                <a16:creationId xmlns:a16="http://schemas.microsoft.com/office/drawing/2014/main" id="{A8DA3A07-C011-461E-A44B-23EAA6039F8B}"/>
+                <a16:creationId xmlns:a16="http://schemas.microsoft.com/office/drawing/2014/main" xmlns="" id="{A8DA3A07-C011-461E-A44B-23EAA6039F8B}"/>
               </a:ext>
             </a:extLst>
           </p:cNvPr>
@@ -2614,7 +2614,7 @@
           <p:cNvPr id="3" name="コンテンツ プレースホルダー 2">
             <a:extLst>
               <a:ext uri="{FF2B5EF4-FFF2-40B4-BE49-F238E27FC236}">
-                <a16:creationId xmlns:a16="http://schemas.microsoft.com/office/drawing/2014/main" id="{D96FE026-4B67-4798-9DB0-7890A3CB8B27}"/>
+                <a16:creationId xmlns:a16="http://schemas.microsoft.com/office/drawing/2014/main" xmlns="" id="{D96FE026-4B67-4798-9DB0-7890A3CB8B27}"/>
               </a:ext>
             </a:extLst>
           </p:cNvPr>
@@ -2736,7 +2736,7 @@
           <p:cNvPr id="4" name="テキスト プレースホルダー 3">
             <a:extLst>
               <a:ext uri="{FF2B5EF4-FFF2-40B4-BE49-F238E27FC236}">
-                <a16:creationId xmlns:a16="http://schemas.microsoft.com/office/drawing/2014/main" id="{AD5E4E23-C3AD-4249-9ED6-09210E3270F8}"/>
+                <a16:creationId xmlns:a16="http://schemas.microsoft.com/office/drawing/2014/main" xmlns="" id="{AD5E4E23-C3AD-4249-9ED6-09210E3270F8}"/>
               </a:ext>
             </a:extLst>
           </p:cNvPr>
@@ -2807,7 +2807,7 @@
           <p:cNvPr id="5" name="日付プレースホルダー 4">
             <a:extLst>
               <a:ext uri="{FF2B5EF4-FFF2-40B4-BE49-F238E27FC236}">
-                <a16:creationId xmlns:a16="http://schemas.microsoft.com/office/drawing/2014/main" id="{DADAE2E2-E698-4B75-9D7F-FF2D60864B49}"/>
+                <a16:creationId xmlns:a16="http://schemas.microsoft.com/office/drawing/2014/main" xmlns="" id="{DADAE2E2-E698-4B75-9D7F-FF2D60864B49}"/>
               </a:ext>
             </a:extLst>
           </p:cNvPr>
@@ -2825,7 +2825,7 @@
           <a:p>
             <a:fld id="{83F10594-1B62-4B90-920A-44E63AFA5E18}" type="datetimeFigureOut">
               <a:rPr kumimoji="1" lang="ja-JP" altLang="en-US" smtClean="0"/>
-              <a:t>2018/6/19</a:t>
+              <a:t>18/07/26</a:t>
             </a:fld>
             <a:endParaRPr kumimoji="1" lang="ja-JP" altLang="en-US"/>
           </a:p>
@@ -2836,7 +2836,7 @@
           <p:cNvPr id="6" name="フッター プレースホルダー 5">
             <a:extLst>
               <a:ext uri="{FF2B5EF4-FFF2-40B4-BE49-F238E27FC236}">
-                <a16:creationId xmlns:a16="http://schemas.microsoft.com/office/drawing/2014/main" id="{AA333362-8A34-4BA9-A7DE-D7B52FDC7B03}"/>
+                <a16:creationId xmlns:a16="http://schemas.microsoft.com/office/drawing/2014/main" xmlns="" id="{AA333362-8A34-4BA9-A7DE-D7B52FDC7B03}"/>
               </a:ext>
             </a:extLst>
           </p:cNvPr>
@@ -2861,7 +2861,7 @@
           <p:cNvPr id="7" name="スライド番号プレースホルダー 6">
             <a:extLst>
               <a:ext uri="{FF2B5EF4-FFF2-40B4-BE49-F238E27FC236}">
-                <a16:creationId xmlns:a16="http://schemas.microsoft.com/office/drawing/2014/main" id="{0D8613AC-3E3B-4E04-A435-551CC1FC6277}"/>
+                <a16:creationId xmlns:a16="http://schemas.microsoft.com/office/drawing/2014/main" xmlns="" id="{0D8613AC-3E3B-4E04-A435-551CC1FC6277}"/>
               </a:ext>
             </a:extLst>
           </p:cNvPr>
@@ -2920,7 +2920,7 @@
           <p:cNvPr id="2" name="タイトル 1">
             <a:extLst>
               <a:ext uri="{FF2B5EF4-FFF2-40B4-BE49-F238E27FC236}">
-                <a16:creationId xmlns:a16="http://schemas.microsoft.com/office/drawing/2014/main" id="{337EDFD7-BCD5-45BD-B577-C3316718F339}"/>
+                <a16:creationId xmlns:a16="http://schemas.microsoft.com/office/drawing/2014/main" xmlns="" id="{337EDFD7-BCD5-45BD-B577-C3316718F339}"/>
               </a:ext>
             </a:extLst>
           </p:cNvPr>
@@ -2957,7 +2957,7 @@
           <p:cNvPr id="3" name="図プレースホルダー 2">
             <a:extLst>
               <a:ext uri="{FF2B5EF4-FFF2-40B4-BE49-F238E27FC236}">
-                <a16:creationId xmlns:a16="http://schemas.microsoft.com/office/drawing/2014/main" id="{891B5D57-DC98-4CF2-9231-95A45B41AAC8}"/>
+                <a16:creationId xmlns:a16="http://schemas.microsoft.com/office/drawing/2014/main" xmlns="" id="{891B5D57-DC98-4CF2-9231-95A45B41AAC8}"/>
               </a:ext>
             </a:extLst>
           </p:cNvPr>
@@ -3024,7 +3024,7 @@
           <p:cNvPr id="4" name="テキスト プレースホルダー 3">
             <a:extLst>
               <a:ext uri="{FF2B5EF4-FFF2-40B4-BE49-F238E27FC236}">
-                <a16:creationId xmlns:a16="http://schemas.microsoft.com/office/drawing/2014/main" id="{0EC31FBE-DC5A-4410-82FA-7C41B281F3EB}"/>
+                <a16:creationId xmlns:a16="http://schemas.microsoft.com/office/drawing/2014/main" xmlns="" id="{0EC31FBE-DC5A-4410-82FA-7C41B281F3EB}"/>
               </a:ext>
             </a:extLst>
           </p:cNvPr>
@@ -3095,7 +3095,7 @@
           <p:cNvPr id="5" name="日付プレースホルダー 4">
             <a:extLst>
               <a:ext uri="{FF2B5EF4-FFF2-40B4-BE49-F238E27FC236}">
-                <a16:creationId xmlns:a16="http://schemas.microsoft.com/office/drawing/2014/main" id="{CFD3CF11-F156-4B4C-B483-7178940AF04F}"/>
+                <a16:creationId xmlns:a16="http://schemas.microsoft.com/office/drawing/2014/main" xmlns="" id="{CFD3CF11-F156-4B4C-B483-7178940AF04F}"/>
               </a:ext>
             </a:extLst>
           </p:cNvPr>
@@ -3113,7 +3113,7 @@
           <a:p>
             <a:fld id="{83F10594-1B62-4B90-920A-44E63AFA5E18}" type="datetimeFigureOut">
               <a:rPr kumimoji="1" lang="ja-JP" altLang="en-US" smtClean="0"/>
-              <a:t>2018/6/19</a:t>
+              <a:t>18/07/26</a:t>
             </a:fld>
             <a:endParaRPr kumimoji="1" lang="ja-JP" altLang="en-US"/>
           </a:p>
@@ -3124,7 +3124,7 @@
           <p:cNvPr id="6" name="フッター プレースホルダー 5">
             <a:extLst>
               <a:ext uri="{FF2B5EF4-FFF2-40B4-BE49-F238E27FC236}">
-                <a16:creationId xmlns:a16="http://schemas.microsoft.com/office/drawing/2014/main" id="{E5FD4BF6-F4B8-4D47-A428-B4EF4EB84233}"/>
+                <a16:creationId xmlns:a16="http://schemas.microsoft.com/office/drawing/2014/main" xmlns="" id="{E5FD4BF6-F4B8-4D47-A428-B4EF4EB84233}"/>
               </a:ext>
             </a:extLst>
           </p:cNvPr>
@@ -3149,7 +3149,7 @@
           <p:cNvPr id="7" name="スライド番号プレースホルダー 6">
             <a:extLst>
               <a:ext uri="{FF2B5EF4-FFF2-40B4-BE49-F238E27FC236}">
-                <a16:creationId xmlns:a16="http://schemas.microsoft.com/office/drawing/2014/main" id="{EB9FE972-35BD-4DA7-AB04-DD730767964B}"/>
+                <a16:creationId xmlns:a16="http://schemas.microsoft.com/office/drawing/2014/main" xmlns="" id="{EB9FE972-35BD-4DA7-AB04-DD730767964B}"/>
               </a:ext>
             </a:extLst>
           </p:cNvPr>
@@ -3213,7 +3213,7 @@
           <p:cNvPr id="2" name="タイトル プレースホルダー 1">
             <a:extLst>
               <a:ext uri="{FF2B5EF4-FFF2-40B4-BE49-F238E27FC236}">
-                <a16:creationId xmlns:a16="http://schemas.microsoft.com/office/drawing/2014/main" id="{DD12E2DB-2FB0-4179-BB7A-70BF767AD1A9}"/>
+                <a16:creationId xmlns:a16="http://schemas.microsoft.com/office/drawing/2014/main" xmlns="" id="{DD12E2DB-2FB0-4179-BB7A-70BF767AD1A9}"/>
               </a:ext>
             </a:extLst>
           </p:cNvPr>
@@ -3251,7 +3251,7 @@
           <p:cNvPr id="3" name="テキスト プレースホルダー 2">
             <a:extLst>
               <a:ext uri="{FF2B5EF4-FFF2-40B4-BE49-F238E27FC236}">
-                <a16:creationId xmlns:a16="http://schemas.microsoft.com/office/drawing/2014/main" id="{438D41D4-83E7-4BDA-BEB3-A876FA08DDD6}"/>
+                <a16:creationId xmlns:a16="http://schemas.microsoft.com/office/drawing/2014/main" xmlns="" id="{438D41D4-83E7-4BDA-BEB3-A876FA08DDD6}"/>
               </a:ext>
             </a:extLst>
           </p:cNvPr>
@@ -3350,7 +3350,7 @@
           <p:cNvPr id="4" name="日付プレースホルダー 3">
             <a:extLst>
               <a:ext uri="{FF2B5EF4-FFF2-40B4-BE49-F238E27FC236}">
-                <a16:creationId xmlns:a16="http://schemas.microsoft.com/office/drawing/2014/main" id="{0E433CFC-DC7D-4F99-8E70-7A481EBEB1E1}"/>
+                <a16:creationId xmlns:a16="http://schemas.microsoft.com/office/drawing/2014/main" xmlns="" id="{0E433CFC-DC7D-4F99-8E70-7A481EBEB1E1}"/>
               </a:ext>
             </a:extLst>
           </p:cNvPr>
@@ -3386,7 +3386,7 @@
           <a:p>
             <a:fld id="{83F10594-1B62-4B90-920A-44E63AFA5E18}" type="datetimeFigureOut">
               <a:rPr kumimoji="1" lang="ja-JP" altLang="en-US" smtClean="0"/>
-              <a:t>2018/6/19</a:t>
+              <a:t>18/07/26</a:t>
             </a:fld>
             <a:endParaRPr kumimoji="1" lang="ja-JP" altLang="en-US"/>
           </a:p>
@@ -3397,7 +3397,7 @@
           <p:cNvPr id="5" name="フッター プレースホルダー 4">
             <a:extLst>
               <a:ext uri="{FF2B5EF4-FFF2-40B4-BE49-F238E27FC236}">
-                <a16:creationId xmlns:a16="http://schemas.microsoft.com/office/drawing/2014/main" id="{6B81CAFF-C1F6-4DCF-889B-70B9284A8205}"/>
+                <a16:creationId xmlns:a16="http://schemas.microsoft.com/office/drawing/2014/main" xmlns="" id="{6B81CAFF-C1F6-4DCF-889B-70B9284A8205}"/>
               </a:ext>
             </a:extLst>
           </p:cNvPr>
@@ -3440,7 +3440,7 @@
           <p:cNvPr id="6" name="スライド番号プレースホルダー 5">
             <a:extLst>
               <a:ext uri="{FF2B5EF4-FFF2-40B4-BE49-F238E27FC236}">
-                <a16:creationId xmlns:a16="http://schemas.microsoft.com/office/drawing/2014/main" id="{C3F78FC5-6E47-4346-A34A-B0090FE228A6}"/>
+                <a16:creationId xmlns:a16="http://schemas.microsoft.com/office/drawing/2014/main" xmlns="" id="{C3F78FC5-6E47-4346-A34A-B0090FE228A6}"/>
               </a:ext>
             </a:extLst>
           </p:cNvPr>
@@ -3808,7 +3808,7 @@
           <p:cNvPr id="23" name="図 22">
             <a:extLst>
               <a:ext uri="{FF2B5EF4-FFF2-40B4-BE49-F238E27FC236}">
-                <a16:creationId xmlns:a16="http://schemas.microsoft.com/office/drawing/2014/main" id="{C00650D5-198A-45F6-8F76-CCD03A557C8D}"/>
+                <a16:creationId xmlns:a16="http://schemas.microsoft.com/office/drawing/2014/main" xmlns="" id="{C00650D5-198A-45F6-8F76-CCD03A557C8D}"/>
               </a:ext>
             </a:extLst>
           </p:cNvPr>
@@ -3844,7 +3844,7 @@
           <p:cNvPr id="22" name="フローチャート: 処理 21">
             <a:extLst>
               <a:ext uri="{FF2B5EF4-FFF2-40B4-BE49-F238E27FC236}">
-                <a16:creationId xmlns:a16="http://schemas.microsoft.com/office/drawing/2014/main" id="{4CCE0672-8772-4262-8145-4E76921A887F}"/>
+                <a16:creationId xmlns:a16="http://schemas.microsoft.com/office/drawing/2014/main" xmlns="" id="{4CCE0672-8772-4262-8145-4E76921A887F}"/>
               </a:ext>
             </a:extLst>
           </p:cNvPr>
@@ -4058,6 +4058,10 @@
             </a:r>
           </a:p>
           <a:p>
+            <a:r>
+              <a:rPr lang="en-US" altLang="ja-JP" sz="1100" dirty="0"/>
+              <a:t/>
+            </a:r>
             <a:br>
               <a:rPr lang="en-US" altLang="ja-JP" sz="1100" dirty="0"/>
             </a:br>
@@ -4085,7 +4089,15 @@
           <a:p>
             <a:r>
               <a:rPr lang="en-US" altLang="ja-JP" sz="1100" dirty="0"/>
-              <a:t>Adobe, Arm, Cisco, COMCAST, GitHub, Harman, HPE, Hitachi, </a:t>
+              <a:t>Adobe, Arm, Cisco, COMCAST, GitHub, </a:t>
+            </a:r>
+            <a:r>
+              <a:rPr lang="en-US" altLang="ja-JP" sz="1100" dirty="0" smtClean="0"/>
+              <a:t>Harman, </a:t>
+            </a:r>
+            <a:r>
+              <a:rPr lang="en-US" altLang="ja-JP" sz="1100" dirty="0"/>
+              <a:t>Hitachi, </a:t>
             </a:r>
           </a:p>
           <a:p>
@@ -4110,7 +4122,7 @@
           <p:cNvPr id="13" name="図 12">
             <a:extLst>
               <a:ext uri="{FF2B5EF4-FFF2-40B4-BE49-F238E27FC236}">
-                <a16:creationId xmlns:a16="http://schemas.microsoft.com/office/drawing/2014/main" id="{425E1792-D999-42B9-84AE-53113CAD37F3}"/>
+                <a16:creationId xmlns:a16="http://schemas.microsoft.com/office/drawing/2014/main" xmlns="" id="{425E1792-D999-42B9-84AE-53113CAD37F3}"/>
               </a:ext>
             </a:extLst>
           </p:cNvPr>
@@ -4146,7 +4158,7 @@
           <p:cNvPr id="31" name="フローチャート: 処理 30">
             <a:extLst>
               <a:ext uri="{FF2B5EF4-FFF2-40B4-BE49-F238E27FC236}">
-                <a16:creationId xmlns:a16="http://schemas.microsoft.com/office/drawing/2014/main" id="{ECFF2D5B-FC6B-4011-BDF2-AE3E8986DA3D}"/>
+                <a16:creationId xmlns:a16="http://schemas.microsoft.com/office/drawing/2014/main" xmlns="" id="{ECFF2D5B-FC6B-4011-BDF2-AE3E8986DA3D}"/>
               </a:ext>
             </a:extLst>
           </p:cNvPr>
@@ -4210,6 +4222,10 @@
               </a:rPr>
               <a:t>https://lists.linuxfoundation.org/mailman/listinfo/openchain-japan-wg</a:t>
             </a:r>
+            <a:r>
+              <a:rPr lang="en-US" altLang="ja-JP" sz="1100" u="sng" dirty="0"/>
+              <a:t/>
+            </a:r>
             <a:br>
               <a:rPr lang="en-US" altLang="ja-JP" sz="1100" u="sng" dirty="0"/>
             </a:br>
@@ -4240,6 +4256,10 @@
               <a:rPr lang="ja-JP" altLang="ja-JP" sz="1100" dirty="0"/>
               <a:t>で登録していただいたアドレスに、</a:t>
             </a:r>
+            <a:r>
+              <a:rPr lang="en-US" altLang="ja-JP" sz="1100" dirty="0"/>
+              <a:t/>
+            </a:r>
             <a:br>
               <a:rPr lang="en-US" altLang="ja-JP" sz="1100" dirty="0"/>
             </a:br>
@@ -4262,6 +4282,10 @@
             <a:r>
               <a:rPr lang="en-US" altLang="ja-JP" sz="1100" b="1" i="1" dirty="0"/>
               <a:t> mailing list</a:t>
+            </a:r>
+            <a:r>
+              <a:rPr lang="en-US" altLang="ja-JP" sz="1100" dirty="0"/>
+              <a:t/>
             </a:r>
             <a:br>
               <a:rPr lang="en-US" altLang="ja-JP" sz="1100" dirty="0"/>
@@ -4329,6 +4353,10 @@
               <a:rPr lang="ja-JP" altLang="ja-JP" sz="1100" dirty="0"/>
               <a:t>承認操作が完了しますと</a:t>
             </a:r>
+            <a:r>
+              <a:rPr lang="en-US" altLang="ja-JP" sz="1100" dirty="0"/>
+              <a:t/>
+            </a:r>
             <a:br>
               <a:rPr lang="en-US" altLang="ja-JP" sz="1100" dirty="0"/>
             </a:br>
@@ -4351,6 +4379,10 @@
             <a:r>
               <a:rPr lang="en-US" altLang="ja-JP" sz="1100" b="1" i="1" dirty="0"/>
               <a:t>” mailing list</a:t>
+            </a:r>
+            <a:r>
+              <a:rPr lang="en-US" altLang="ja-JP" sz="1100" dirty="0"/>
+              <a:t/>
             </a:r>
             <a:br>
               <a:rPr lang="en-US" altLang="ja-JP" sz="1100" dirty="0"/>
@@ -4394,7 +4426,7 @@
           <p:cNvPr id="5" name="図 4">
             <a:extLst>
               <a:ext uri="{FF2B5EF4-FFF2-40B4-BE49-F238E27FC236}">
-                <a16:creationId xmlns:a16="http://schemas.microsoft.com/office/drawing/2014/main" id="{CA707440-63A7-4A68-A5FC-1818E2B61AB6}"/>
+                <a16:creationId xmlns:a16="http://schemas.microsoft.com/office/drawing/2014/main" xmlns="" id="{CA707440-63A7-4A68-A5FC-1818E2B61AB6}"/>
               </a:ext>
             </a:extLst>
           </p:cNvPr>
@@ -4430,7 +4462,7 @@
           <p:cNvPr id="11" name="図 10">
             <a:extLst>
               <a:ext uri="{FF2B5EF4-FFF2-40B4-BE49-F238E27FC236}">
-                <a16:creationId xmlns:a16="http://schemas.microsoft.com/office/drawing/2014/main" id="{AD3F2B6C-A3FB-4A88-93B2-FC4A1C7B0C64}"/>
+                <a16:creationId xmlns:a16="http://schemas.microsoft.com/office/drawing/2014/main" xmlns="" id="{AD3F2B6C-A3FB-4A88-93B2-FC4A1C7B0C64}"/>
               </a:ext>
             </a:extLst>
           </p:cNvPr>
@@ -4466,7 +4498,7 @@
           <p:cNvPr id="21" name="フローチャート: 処理 20">
             <a:extLst>
               <a:ext uri="{FF2B5EF4-FFF2-40B4-BE49-F238E27FC236}">
-                <a16:creationId xmlns:a16="http://schemas.microsoft.com/office/drawing/2014/main" id="{E12A9AD0-3E8C-4903-B74C-14F9837F8256}"/>
+                <a16:creationId xmlns:a16="http://schemas.microsoft.com/office/drawing/2014/main" xmlns="" id="{E12A9AD0-3E8C-4903-B74C-14F9837F8256}"/>
               </a:ext>
             </a:extLst>
           </p:cNvPr>
@@ -4564,7 +4596,7 @@
           <p:cNvPr id="7" name="Shape 53">
             <a:extLst>
               <a:ext uri="{FF2B5EF4-FFF2-40B4-BE49-F238E27FC236}">
-                <a16:creationId xmlns:a16="http://schemas.microsoft.com/office/drawing/2014/main" id="{740E5A53-C12F-42B7-BD46-ED849C0410B4}"/>
+                <a16:creationId xmlns:a16="http://schemas.microsoft.com/office/drawing/2014/main" xmlns="" id="{740E5A53-C12F-42B7-BD46-ED849C0410B4}"/>
               </a:ext>
             </a:extLst>
           </p:cNvPr>
@@ -4597,7 +4629,7 @@
           <p:cNvPr id="26" name="フローチャート: 処理 25">
             <a:extLst>
               <a:ext uri="{FF2B5EF4-FFF2-40B4-BE49-F238E27FC236}">
-                <a16:creationId xmlns:a16="http://schemas.microsoft.com/office/drawing/2014/main" id="{D8EBF979-130F-4766-8F0E-9DAA34A01312}"/>
+                <a16:creationId xmlns:a16="http://schemas.microsoft.com/office/drawing/2014/main" xmlns="" id="{D8EBF979-130F-4766-8F0E-9DAA34A01312}"/>
               </a:ext>
             </a:extLst>
           </p:cNvPr>
@@ -4707,7 +4739,7 @@
           <p:cNvPr id="28" name="テキスト ボックス 27">
             <a:extLst>
               <a:ext uri="{FF2B5EF4-FFF2-40B4-BE49-F238E27FC236}">
-                <a16:creationId xmlns:a16="http://schemas.microsoft.com/office/drawing/2014/main" id="{DB733CDB-9111-40FA-A721-698F821A0765}"/>
+                <a16:creationId xmlns:a16="http://schemas.microsoft.com/office/drawing/2014/main" xmlns="" id="{DB733CDB-9111-40FA-A721-698F821A0765}"/>
               </a:ext>
             </a:extLst>
           </p:cNvPr>
@@ -4745,7 +4777,7 @@
           <p:cNvPr id="29" name="フローチャート: 処理 28">
             <a:extLst>
               <a:ext uri="{FF2B5EF4-FFF2-40B4-BE49-F238E27FC236}">
-                <a16:creationId xmlns:a16="http://schemas.microsoft.com/office/drawing/2014/main" id="{274077B5-CC18-425F-913A-26F3345ADB9A}"/>
+                <a16:creationId xmlns:a16="http://schemas.microsoft.com/office/drawing/2014/main" xmlns="" id="{274077B5-CC18-425F-913A-26F3345ADB9A}"/>
               </a:ext>
             </a:extLst>
           </p:cNvPr>
@@ -4800,6 +4832,10 @@
               <a:rPr lang="ja-JP" altLang="en-US" sz="1100" dirty="0"/>
               <a:t>では、メーリングリストでの議論や、定期的にミーティングを</a:t>
             </a:r>
+            <a:r>
+              <a:rPr lang="en-US" altLang="ja-JP" sz="1100" dirty="0"/>
+              <a:t/>
+            </a:r>
             <a:br>
               <a:rPr lang="en-US" altLang="ja-JP" sz="1100" dirty="0"/>
             </a:br>
@@ -4992,7 +5028,7 @@
           <p:cNvPr id="30" name="テキスト ボックス 29">
             <a:extLst>
               <a:ext uri="{FF2B5EF4-FFF2-40B4-BE49-F238E27FC236}">
-                <a16:creationId xmlns:a16="http://schemas.microsoft.com/office/drawing/2014/main" id="{0D7E0406-C4BD-4D88-8884-D4AC279FAFB7}"/>
+                <a16:creationId xmlns:a16="http://schemas.microsoft.com/office/drawing/2014/main" xmlns="" id="{0D7E0406-C4BD-4D88-8884-D4AC279FAFB7}"/>
               </a:ext>
             </a:extLst>
           </p:cNvPr>
@@ -5040,7 +5076,7 @@
           <p:cNvPr id="32" name="図 31">
             <a:extLst>
               <a:ext uri="{FF2B5EF4-FFF2-40B4-BE49-F238E27FC236}">
-                <a16:creationId xmlns:a16="http://schemas.microsoft.com/office/drawing/2014/main" id="{233F546B-FF86-4A31-A220-839A7503C91C}"/>
+                <a16:creationId xmlns:a16="http://schemas.microsoft.com/office/drawing/2014/main" xmlns="" id="{233F546B-FF86-4A31-A220-839A7503C91C}"/>
               </a:ext>
             </a:extLst>
           </p:cNvPr>
@@ -5076,7 +5112,7 @@
           <p:cNvPr id="34" name="図 33">
             <a:extLst>
               <a:ext uri="{FF2B5EF4-FFF2-40B4-BE49-F238E27FC236}">
-                <a16:creationId xmlns:a16="http://schemas.microsoft.com/office/drawing/2014/main" id="{64F47E7C-658F-4406-9EE6-004F1B74232D}"/>
+                <a16:creationId xmlns:a16="http://schemas.microsoft.com/office/drawing/2014/main" xmlns="" id="{64F47E7C-658F-4406-9EE6-004F1B74232D}"/>
               </a:ext>
             </a:extLst>
           </p:cNvPr>
@@ -5117,7 +5153,7 @@
           <p:cNvPr id="38" name="図 37">
             <a:extLst>
               <a:ext uri="{FF2B5EF4-FFF2-40B4-BE49-F238E27FC236}">
-                <a16:creationId xmlns:a16="http://schemas.microsoft.com/office/drawing/2014/main" id="{84A95467-78EC-4C89-85D0-019176E39640}"/>
+                <a16:creationId xmlns:a16="http://schemas.microsoft.com/office/drawing/2014/main" xmlns="" id="{84A95467-78EC-4C89-85D0-019176E39640}"/>
               </a:ext>
             </a:extLst>
           </p:cNvPr>
@@ -5158,7 +5194,7 @@
           <p:cNvPr id="39" name="テキスト ボックス 38">
             <a:extLst>
               <a:ext uri="{FF2B5EF4-FFF2-40B4-BE49-F238E27FC236}">
-                <a16:creationId xmlns:a16="http://schemas.microsoft.com/office/drawing/2014/main" id="{D2A71918-342D-48D9-815C-0C33727FDA6D}"/>
+                <a16:creationId xmlns:a16="http://schemas.microsoft.com/office/drawing/2014/main" xmlns="" id="{D2A71918-342D-48D9-815C-0C33727FDA6D}"/>
               </a:ext>
             </a:extLst>
           </p:cNvPr>
@@ -5195,7 +5231,7 @@
           <p:cNvPr id="3" name="図 2">
             <a:extLst>
               <a:ext uri="{FF2B5EF4-FFF2-40B4-BE49-F238E27FC236}">
-                <a16:creationId xmlns:a16="http://schemas.microsoft.com/office/drawing/2014/main" id="{B5D70070-64F5-4F2E-95D3-581B99C363C2}"/>
+                <a16:creationId xmlns:a16="http://schemas.microsoft.com/office/drawing/2014/main" xmlns="" id="{B5D70070-64F5-4F2E-95D3-581B99C363C2}"/>
               </a:ext>
             </a:extLst>
           </p:cNvPr>
@@ -5231,7 +5267,7 @@
           <p:cNvPr id="24" name="フローチャート: 処理 23">
             <a:extLst>
               <a:ext uri="{FF2B5EF4-FFF2-40B4-BE49-F238E27FC236}">
-                <a16:creationId xmlns:a16="http://schemas.microsoft.com/office/drawing/2014/main" id="{B444897E-D154-4AC8-A66D-99416D3C7DE8}"/>
+                <a16:creationId xmlns:a16="http://schemas.microsoft.com/office/drawing/2014/main" xmlns="" id="{B444897E-D154-4AC8-A66D-99416D3C7DE8}"/>
               </a:ext>
             </a:extLst>
           </p:cNvPr>
@@ -5296,7 +5332,7 @@
           <p:cNvPr id="19" name="図 18">
             <a:extLst>
               <a:ext uri="{FF2B5EF4-FFF2-40B4-BE49-F238E27FC236}">
-                <a16:creationId xmlns:a16="http://schemas.microsoft.com/office/drawing/2014/main" id="{8C9DA080-8DE7-4F39-A6D4-FEF395625902}"/>
+                <a16:creationId xmlns:a16="http://schemas.microsoft.com/office/drawing/2014/main" xmlns="" id="{8C9DA080-8DE7-4F39-A6D4-FEF395625902}"/>
               </a:ext>
             </a:extLst>
           </p:cNvPr>
@@ -5332,7 +5368,7 @@
           <p:cNvPr id="25" name="テキスト ボックス 24">
             <a:extLst>
               <a:ext uri="{FF2B5EF4-FFF2-40B4-BE49-F238E27FC236}">
-                <a16:creationId xmlns:a16="http://schemas.microsoft.com/office/drawing/2014/main" id="{705A0514-A8E6-458C-ACE1-C2C7363EAC26}"/>
+                <a16:creationId xmlns:a16="http://schemas.microsoft.com/office/drawing/2014/main" xmlns="" id="{705A0514-A8E6-458C-ACE1-C2C7363EAC26}"/>
               </a:ext>
             </a:extLst>
           </p:cNvPr>
@@ -5421,7 +5457,7 @@
     </a:clrScheme>
     <a:fontScheme name="Office">
       <a:majorFont>
-        <a:latin typeface="游ゴシック Light" panose="020F0302020204030204"/>
+        <a:latin typeface="游ゴシック Light"/>
         <a:ea typeface=""/>
         <a:cs typeface=""/>
         <a:font script="Jpan" typeface="游ゴシック Light"/>
@@ -5473,7 +5509,7 @@
         <a:font script="Tfng" typeface="Ebrima"/>
       </a:majorFont>
       <a:minorFont>
-        <a:latin typeface="游ゴシック" panose="020F0502020204030204"/>
+        <a:latin typeface="游ゴシック"/>
         <a:ea typeface=""/>
         <a:cs typeface=""/>
         <a:font script="Jpan" typeface="游ゴシック"/>
@@ -5667,7 +5703,7 @@
   <a:extraClrSchemeLst/>
   <a:extLst>
     <a:ext uri="{05A4C25C-085E-4340-85A3-A5531E510DB2}">
-      <thm15:themeFamily xmlns:thm15="http://schemas.microsoft.com/office/thememl/2012/main" name="Office Theme" id="{62F939B6-93AF-4DB8-9C6B-D6C7DFDC589F}" vid="{4A3C46E8-61CC-4603-A589-7422A47A8E4A}"/>
+      <thm15:themeFamily xmlns:thm15="http://schemas.microsoft.com/office/thememl/2012/main" xmlns="" name="Office Theme" id="{62F939B6-93AF-4DB8-9C6B-D6C7DFDC589F}" vid="{4A3C46E8-61CC-4603-A589-7422A47A8E4A}"/>
     </a:ext>
   </a:extLst>
 </a:theme>
